--- a/resources/PITP/Week_2_Dart_Programming_Basics.pptx
+++ b/resources/PITP/Week_2_Dart_Programming_Basics.pptx
@@ -5,20 +5,21 @@
     <p:sldMasterId id="2147483648" r:id="rId1"/>
   </p:sldMasterIdLst>
   <p:sldIdLst>
-    <p:sldId id="256" r:id="rId7"/>
-    <p:sldId id="257" r:id="rId8"/>
-    <p:sldId id="258" r:id="rId9"/>
-    <p:sldId id="259" r:id="rId10"/>
-    <p:sldId id="260" r:id="rId11"/>
-    <p:sldId id="261" r:id="rId12"/>
-    <p:sldId id="262" r:id="rId13"/>
-    <p:sldId id="263" r:id="rId14"/>
-    <p:sldId id="264" r:id="rId15"/>
-    <p:sldId id="265" r:id="rId16"/>
-    <p:sldId id="266" r:id="rId17"/>
-    <p:sldId id="267" r:id="rId18"/>
-    <p:sldId id="268" r:id="rId19"/>
-    <p:sldId id="269" r:id="rId20"/>
+    <p:sldId id="256" r:id="rId2"/>
+    <p:sldId id="257" r:id="rId3"/>
+    <p:sldId id="258" r:id="rId4"/>
+    <p:sldId id="259" r:id="rId5"/>
+    <p:sldId id="260" r:id="rId6"/>
+    <p:sldId id="261" r:id="rId7"/>
+    <p:sldId id="262" r:id="rId8"/>
+    <p:sldId id="263" r:id="rId9"/>
+    <p:sldId id="264" r:id="rId10"/>
+    <p:sldId id="265" r:id="rId11"/>
+    <p:sldId id="266" r:id="rId12"/>
+    <p:sldId id="267" r:id="rId13"/>
+    <p:sldId id="268" r:id="rId14"/>
+    <p:sldId id="269" r:id="rId15"/>
+    <p:sldId id="270" r:id="rId16"/>
   </p:sldIdLst>
   <p:sldSz cx="9144000" cy="6858000" type="screen4x3"/>
   <p:notesSz cx="6858000" cy="9144000"/>
@@ -117,6 +118,22 @@
       </a:defRPr>
     </a:lvl9pPr>
   </p:defaultTextStyle>
+  <p:extLst>
+    <p:ext uri="{EFAFB233-063F-42B5-8137-9DF3F51BA10A}">
+      <p15:sldGuideLst xmlns:p15="http://schemas.microsoft.com/office/powerpoint/2012/main">
+        <p15:guide id="1" orient="horz" pos="2160">
+          <p15:clr>
+            <a:srgbClr val="A4A3A4"/>
+          </p15:clr>
+        </p15:guide>
+        <p15:guide id="2" pos="2880">
+          <p15:clr>
+            <a:srgbClr val="A4A3A4"/>
+          </p15:clr>
+        </p15:guide>
+      </p15:sldGuideLst>
+    </p:ext>
+  </p:extLst>
 </p:presentation>
 </file>
 
@@ -158,10 +175,9 @@
           <a:lstStyle/>
           <a:p>
             <a:r>
-              <a:rPr lang="en-US" smtClean="0"/>
+              <a:rPr lang="en-US"/>
               <a:t>Click to edit Master title style</a:t>
             </a:r>
-            <a:endParaRPr lang="en-US"/>
           </a:p>
         </p:txBody>
       </p:sp>
@@ -277,10 +293,9 @@
           </a:lstStyle>
           <a:p>
             <a:r>
-              <a:rPr lang="en-US" smtClean="0"/>
+              <a:rPr lang="en-US"/>
               <a:t>Click to edit Master subtitle style</a:t>
             </a:r>
-            <a:endParaRPr lang="en-US"/>
           </a:p>
         </p:txBody>
       </p:sp>
@@ -301,7 +316,7 @@
           <a:p>
             <a:fld id="{5BCAD085-E8A6-8845-BD4E-CB4CCA059FC4}" type="datetimeFigureOut">
               <a:rPr lang="en-US" smtClean="0"/>
-              <a:t>1/27/13</a:t>
+              <a:t>1/15/2026</a:t>
             </a:fld>
             <a:endParaRPr lang="en-US"/>
           </a:p>
@@ -395,10 +410,9 @@
           <a:lstStyle/>
           <a:p>
             <a:r>
-              <a:rPr lang="en-US" smtClean="0"/>
+              <a:rPr lang="en-US"/>
               <a:t>Click to edit Master title style</a:t>
             </a:r>
-            <a:endParaRPr lang="en-US"/>
           </a:p>
         </p:txBody>
       </p:sp>
@@ -419,38 +433,37 @@
           <a:p>
             <a:pPr lvl="0"/>
             <a:r>
-              <a:rPr lang="en-US" smtClean="0"/>
+              <a:rPr lang="en-US"/>
               <a:t>Click to edit Master text styles</a:t>
             </a:r>
           </a:p>
           <a:p>
             <a:pPr lvl="1"/>
             <a:r>
-              <a:rPr lang="en-US" smtClean="0"/>
+              <a:rPr lang="en-US"/>
               <a:t>Second level</a:t>
             </a:r>
           </a:p>
           <a:p>
             <a:pPr lvl="2"/>
             <a:r>
-              <a:rPr lang="en-US" smtClean="0"/>
+              <a:rPr lang="en-US"/>
               <a:t>Third level</a:t>
             </a:r>
           </a:p>
           <a:p>
             <a:pPr lvl="3"/>
             <a:r>
-              <a:rPr lang="en-US" smtClean="0"/>
+              <a:rPr lang="en-US"/>
               <a:t>Fourth level</a:t>
             </a:r>
           </a:p>
           <a:p>
             <a:pPr lvl="4"/>
             <a:r>
-              <a:rPr lang="en-US" smtClean="0"/>
+              <a:rPr lang="en-US"/>
               <a:t>Fifth level</a:t>
             </a:r>
-            <a:endParaRPr lang="en-US"/>
           </a:p>
         </p:txBody>
       </p:sp>
@@ -471,7 +484,7 @@
           <a:p>
             <a:fld id="{5BCAD085-E8A6-8845-BD4E-CB4CCA059FC4}" type="datetimeFigureOut">
               <a:rPr lang="en-US" smtClean="0"/>
-              <a:t>1/27/13</a:t>
+              <a:t>1/15/2026</a:t>
             </a:fld>
             <a:endParaRPr lang="en-US"/>
           </a:p>
@@ -570,10 +583,9 @@
           <a:lstStyle/>
           <a:p>
             <a:r>
-              <a:rPr lang="en-US" smtClean="0"/>
+              <a:rPr lang="en-US"/>
               <a:t>Click to edit Master title style</a:t>
             </a:r>
-            <a:endParaRPr lang="en-US"/>
           </a:p>
         </p:txBody>
       </p:sp>
@@ -599,38 +611,37 @@
           <a:p>
             <a:pPr lvl="0"/>
             <a:r>
-              <a:rPr lang="en-US" smtClean="0"/>
+              <a:rPr lang="en-US"/>
               <a:t>Click to edit Master text styles</a:t>
             </a:r>
           </a:p>
           <a:p>
             <a:pPr lvl="1"/>
             <a:r>
-              <a:rPr lang="en-US" smtClean="0"/>
+              <a:rPr lang="en-US"/>
               <a:t>Second level</a:t>
             </a:r>
           </a:p>
           <a:p>
             <a:pPr lvl="2"/>
             <a:r>
-              <a:rPr lang="en-US" smtClean="0"/>
+              <a:rPr lang="en-US"/>
               <a:t>Third level</a:t>
             </a:r>
           </a:p>
           <a:p>
             <a:pPr lvl="3"/>
             <a:r>
-              <a:rPr lang="en-US" smtClean="0"/>
+              <a:rPr lang="en-US"/>
               <a:t>Fourth level</a:t>
             </a:r>
           </a:p>
           <a:p>
             <a:pPr lvl="4"/>
             <a:r>
-              <a:rPr lang="en-US" smtClean="0"/>
+              <a:rPr lang="en-US"/>
               <a:t>Fifth level</a:t>
             </a:r>
-            <a:endParaRPr lang="en-US"/>
           </a:p>
         </p:txBody>
       </p:sp>
@@ -651,7 +662,7 @@
           <a:p>
             <a:fld id="{5BCAD085-E8A6-8845-BD4E-CB4CCA059FC4}" type="datetimeFigureOut">
               <a:rPr lang="en-US" smtClean="0"/>
-              <a:t>1/27/13</a:t>
+              <a:t>1/15/2026</a:t>
             </a:fld>
             <a:endParaRPr lang="en-US"/>
           </a:p>
@@ -745,10 +756,9 @@
           <a:lstStyle/>
           <a:p>
             <a:r>
-              <a:rPr lang="en-US" smtClean="0"/>
+              <a:rPr lang="en-US"/>
               <a:t>Click to edit Master title style</a:t>
             </a:r>
-            <a:endParaRPr lang="en-US"/>
           </a:p>
         </p:txBody>
       </p:sp>
@@ -769,38 +779,37 @@
           <a:p>
             <a:pPr lvl="0"/>
             <a:r>
-              <a:rPr lang="en-US" smtClean="0"/>
+              <a:rPr lang="en-US"/>
               <a:t>Click to edit Master text styles</a:t>
             </a:r>
           </a:p>
           <a:p>
             <a:pPr lvl="1"/>
             <a:r>
-              <a:rPr lang="en-US" smtClean="0"/>
+              <a:rPr lang="en-US"/>
               <a:t>Second level</a:t>
             </a:r>
           </a:p>
           <a:p>
             <a:pPr lvl="2"/>
             <a:r>
-              <a:rPr lang="en-US" smtClean="0"/>
+              <a:rPr lang="en-US"/>
               <a:t>Third level</a:t>
             </a:r>
           </a:p>
           <a:p>
             <a:pPr lvl="3"/>
             <a:r>
-              <a:rPr lang="en-US" smtClean="0"/>
+              <a:rPr lang="en-US"/>
               <a:t>Fourth level</a:t>
             </a:r>
           </a:p>
           <a:p>
             <a:pPr lvl="4"/>
             <a:r>
-              <a:rPr lang="en-US" smtClean="0"/>
+              <a:rPr lang="en-US"/>
               <a:t>Fifth level</a:t>
             </a:r>
-            <a:endParaRPr lang="en-US"/>
           </a:p>
         </p:txBody>
       </p:sp>
@@ -821,7 +830,7 @@
           <a:p>
             <a:fld id="{5BCAD085-E8A6-8845-BD4E-CB4CCA059FC4}" type="datetimeFigureOut">
               <a:rPr lang="en-US" smtClean="0"/>
-              <a:t>1/27/13</a:t>
+              <a:t>1/15/2026</a:t>
             </a:fld>
             <a:endParaRPr lang="en-US"/>
           </a:p>
@@ -924,10 +933,9 @@
           </a:lstStyle>
           <a:p>
             <a:r>
-              <a:rPr lang="en-US" smtClean="0"/>
+              <a:rPr lang="en-US"/>
               <a:t>Click to edit Master title style</a:t>
             </a:r>
-            <a:endParaRPr lang="en-US"/>
           </a:p>
         </p:txBody>
       </p:sp>
@@ -1044,7 +1052,7 @@
           <a:p>
             <a:pPr lvl="0"/>
             <a:r>
-              <a:rPr lang="en-US" smtClean="0"/>
+              <a:rPr lang="en-US"/>
               <a:t>Click to edit Master text styles</a:t>
             </a:r>
           </a:p>
@@ -1067,7 +1075,7 @@
           <a:p>
             <a:fld id="{5BCAD085-E8A6-8845-BD4E-CB4CCA059FC4}" type="datetimeFigureOut">
               <a:rPr lang="en-US" smtClean="0"/>
-              <a:t>1/27/13</a:t>
+              <a:t>1/15/2026</a:t>
             </a:fld>
             <a:endParaRPr lang="en-US"/>
           </a:p>
@@ -1161,10 +1169,9 @@
           <a:lstStyle/>
           <a:p>
             <a:r>
-              <a:rPr lang="en-US" smtClean="0"/>
+              <a:rPr lang="en-US"/>
               <a:t>Click to edit Master title style</a:t>
             </a:r>
-            <a:endParaRPr lang="en-US"/>
           </a:p>
         </p:txBody>
       </p:sp>
@@ -1218,38 +1225,37 @@
           <a:p>
             <a:pPr lvl="0"/>
             <a:r>
-              <a:rPr lang="en-US" smtClean="0"/>
+              <a:rPr lang="en-US"/>
               <a:t>Click to edit Master text styles</a:t>
             </a:r>
           </a:p>
           <a:p>
             <a:pPr lvl="1"/>
             <a:r>
-              <a:rPr lang="en-US" smtClean="0"/>
+              <a:rPr lang="en-US"/>
               <a:t>Second level</a:t>
             </a:r>
           </a:p>
           <a:p>
             <a:pPr lvl="2"/>
             <a:r>
-              <a:rPr lang="en-US" smtClean="0"/>
+              <a:rPr lang="en-US"/>
               <a:t>Third level</a:t>
             </a:r>
           </a:p>
           <a:p>
             <a:pPr lvl="3"/>
             <a:r>
-              <a:rPr lang="en-US" smtClean="0"/>
+              <a:rPr lang="en-US"/>
               <a:t>Fourth level</a:t>
             </a:r>
           </a:p>
           <a:p>
             <a:pPr lvl="4"/>
             <a:r>
-              <a:rPr lang="en-US" smtClean="0"/>
+              <a:rPr lang="en-US"/>
               <a:t>Fifth level</a:t>
             </a:r>
-            <a:endParaRPr lang="en-US"/>
           </a:p>
         </p:txBody>
       </p:sp>
@@ -1303,38 +1309,37 @@
           <a:p>
             <a:pPr lvl="0"/>
             <a:r>
-              <a:rPr lang="en-US" smtClean="0"/>
+              <a:rPr lang="en-US"/>
               <a:t>Click to edit Master text styles</a:t>
             </a:r>
           </a:p>
           <a:p>
             <a:pPr lvl="1"/>
             <a:r>
-              <a:rPr lang="en-US" smtClean="0"/>
+              <a:rPr lang="en-US"/>
               <a:t>Second level</a:t>
             </a:r>
           </a:p>
           <a:p>
             <a:pPr lvl="2"/>
             <a:r>
-              <a:rPr lang="en-US" smtClean="0"/>
+              <a:rPr lang="en-US"/>
               <a:t>Third level</a:t>
             </a:r>
           </a:p>
           <a:p>
             <a:pPr lvl="3"/>
             <a:r>
-              <a:rPr lang="en-US" smtClean="0"/>
+              <a:rPr lang="en-US"/>
               <a:t>Fourth level</a:t>
             </a:r>
           </a:p>
           <a:p>
             <a:pPr lvl="4"/>
             <a:r>
-              <a:rPr lang="en-US" smtClean="0"/>
+              <a:rPr lang="en-US"/>
               <a:t>Fifth level</a:t>
             </a:r>
-            <a:endParaRPr lang="en-US"/>
           </a:p>
         </p:txBody>
       </p:sp>
@@ -1355,7 +1360,7 @@
           <a:p>
             <a:fld id="{5BCAD085-E8A6-8845-BD4E-CB4CCA059FC4}" type="datetimeFigureOut">
               <a:rPr lang="en-US" smtClean="0"/>
-              <a:t>1/27/13</a:t>
+              <a:t>1/15/2026</a:t>
             </a:fld>
             <a:endParaRPr lang="en-US"/>
           </a:p>
@@ -1453,10 +1458,9 @@
           </a:lstStyle>
           <a:p>
             <a:r>
-              <a:rPr lang="en-US" smtClean="0"/>
+              <a:rPr lang="en-US"/>
               <a:t>Click to edit Master title style</a:t>
             </a:r>
-            <a:endParaRPr lang="en-US"/>
           </a:p>
         </p:txBody>
       </p:sp>
@@ -1519,7 +1523,7 @@
           <a:p>
             <a:pPr lvl="0"/>
             <a:r>
-              <a:rPr lang="en-US" smtClean="0"/>
+              <a:rPr lang="en-US"/>
               <a:t>Click to edit Master text styles</a:t>
             </a:r>
           </a:p>
@@ -1575,38 +1579,37 @@
           <a:p>
             <a:pPr lvl="0"/>
             <a:r>
-              <a:rPr lang="en-US" smtClean="0"/>
+              <a:rPr lang="en-US"/>
               <a:t>Click to edit Master text styles</a:t>
             </a:r>
           </a:p>
           <a:p>
             <a:pPr lvl="1"/>
             <a:r>
-              <a:rPr lang="en-US" smtClean="0"/>
+              <a:rPr lang="en-US"/>
               <a:t>Second level</a:t>
             </a:r>
           </a:p>
           <a:p>
             <a:pPr lvl="2"/>
             <a:r>
-              <a:rPr lang="en-US" smtClean="0"/>
+              <a:rPr lang="en-US"/>
               <a:t>Third level</a:t>
             </a:r>
           </a:p>
           <a:p>
             <a:pPr lvl="3"/>
             <a:r>
-              <a:rPr lang="en-US" smtClean="0"/>
+              <a:rPr lang="en-US"/>
               <a:t>Fourth level</a:t>
             </a:r>
           </a:p>
           <a:p>
             <a:pPr lvl="4"/>
             <a:r>
-              <a:rPr lang="en-US" smtClean="0"/>
+              <a:rPr lang="en-US"/>
               <a:t>Fifth level</a:t>
             </a:r>
-            <a:endParaRPr lang="en-US"/>
           </a:p>
         </p:txBody>
       </p:sp>
@@ -1669,7 +1672,7 @@
           <a:p>
             <a:pPr lvl="0"/>
             <a:r>
-              <a:rPr lang="en-US" smtClean="0"/>
+              <a:rPr lang="en-US"/>
               <a:t>Click to edit Master text styles</a:t>
             </a:r>
           </a:p>
@@ -1725,38 +1728,37 @@
           <a:p>
             <a:pPr lvl="0"/>
             <a:r>
-              <a:rPr lang="en-US" smtClean="0"/>
+              <a:rPr lang="en-US"/>
               <a:t>Click to edit Master text styles</a:t>
             </a:r>
           </a:p>
           <a:p>
             <a:pPr lvl="1"/>
             <a:r>
-              <a:rPr lang="en-US" smtClean="0"/>
+              <a:rPr lang="en-US"/>
               <a:t>Second level</a:t>
             </a:r>
           </a:p>
           <a:p>
             <a:pPr lvl="2"/>
             <a:r>
-              <a:rPr lang="en-US" smtClean="0"/>
+              <a:rPr lang="en-US"/>
               <a:t>Third level</a:t>
             </a:r>
           </a:p>
           <a:p>
             <a:pPr lvl="3"/>
             <a:r>
-              <a:rPr lang="en-US" smtClean="0"/>
+              <a:rPr lang="en-US"/>
               <a:t>Fourth level</a:t>
             </a:r>
           </a:p>
           <a:p>
             <a:pPr lvl="4"/>
             <a:r>
-              <a:rPr lang="en-US" smtClean="0"/>
+              <a:rPr lang="en-US"/>
               <a:t>Fifth level</a:t>
             </a:r>
-            <a:endParaRPr lang="en-US"/>
           </a:p>
         </p:txBody>
       </p:sp>
@@ -1777,7 +1779,7 @@
           <a:p>
             <a:fld id="{5BCAD085-E8A6-8845-BD4E-CB4CCA059FC4}" type="datetimeFigureOut">
               <a:rPr lang="en-US" smtClean="0"/>
-              <a:t>1/27/13</a:t>
+              <a:t>1/15/2026</a:t>
             </a:fld>
             <a:endParaRPr lang="en-US"/>
           </a:p>
@@ -1871,10 +1873,9 @@
           <a:lstStyle/>
           <a:p>
             <a:r>
-              <a:rPr lang="en-US" smtClean="0"/>
+              <a:rPr lang="en-US"/>
               <a:t>Click to edit Master title style</a:t>
             </a:r>
-            <a:endParaRPr lang="en-US"/>
           </a:p>
         </p:txBody>
       </p:sp>
@@ -1895,7 +1896,7 @@
           <a:p>
             <a:fld id="{5BCAD085-E8A6-8845-BD4E-CB4CCA059FC4}" type="datetimeFigureOut">
               <a:rPr lang="en-US" smtClean="0"/>
-              <a:t>1/27/13</a:t>
+              <a:t>1/15/2026</a:t>
             </a:fld>
             <a:endParaRPr lang="en-US"/>
           </a:p>
@@ -1990,7 +1991,7 @@
           <a:p>
             <a:fld id="{5BCAD085-E8A6-8845-BD4E-CB4CCA059FC4}" type="datetimeFigureOut">
               <a:rPr lang="en-US" smtClean="0"/>
-              <a:t>1/27/13</a:t>
+              <a:t>1/15/2026</a:t>
             </a:fld>
             <a:endParaRPr lang="en-US"/>
           </a:p>
@@ -2093,10 +2094,9 @@
           </a:lstStyle>
           <a:p>
             <a:r>
-              <a:rPr lang="en-US" smtClean="0"/>
+              <a:rPr lang="en-US"/>
               <a:t>Click to edit Master title style</a:t>
             </a:r>
-            <a:endParaRPr lang="en-US"/>
           </a:p>
         </p:txBody>
       </p:sp>
@@ -2150,38 +2150,37 @@
           <a:p>
             <a:pPr lvl="0"/>
             <a:r>
-              <a:rPr lang="en-US" smtClean="0"/>
+              <a:rPr lang="en-US"/>
               <a:t>Click to edit Master text styles</a:t>
             </a:r>
           </a:p>
           <a:p>
             <a:pPr lvl="1"/>
             <a:r>
-              <a:rPr lang="en-US" smtClean="0"/>
+              <a:rPr lang="en-US"/>
               <a:t>Second level</a:t>
             </a:r>
           </a:p>
           <a:p>
             <a:pPr lvl="2"/>
             <a:r>
-              <a:rPr lang="en-US" smtClean="0"/>
+              <a:rPr lang="en-US"/>
               <a:t>Third level</a:t>
             </a:r>
           </a:p>
           <a:p>
             <a:pPr lvl="3"/>
             <a:r>
-              <a:rPr lang="en-US" smtClean="0"/>
+              <a:rPr lang="en-US"/>
               <a:t>Fourth level</a:t>
             </a:r>
           </a:p>
           <a:p>
             <a:pPr lvl="4"/>
             <a:r>
-              <a:rPr lang="en-US" smtClean="0"/>
+              <a:rPr lang="en-US"/>
               <a:t>Fifth level</a:t>
             </a:r>
-            <a:endParaRPr lang="en-US"/>
           </a:p>
         </p:txBody>
       </p:sp>
@@ -2244,7 +2243,7 @@
           <a:p>
             <a:pPr lvl="0"/>
             <a:r>
-              <a:rPr lang="en-US" smtClean="0"/>
+              <a:rPr lang="en-US"/>
               <a:t>Click to edit Master text styles</a:t>
             </a:r>
           </a:p>
@@ -2267,7 +2266,7 @@
           <a:p>
             <a:fld id="{5BCAD085-E8A6-8845-BD4E-CB4CCA059FC4}" type="datetimeFigureOut">
               <a:rPr lang="en-US" smtClean="0"/>
-              <a:t>1/27/13</a:t>
+              <a:t>1/15/2026</a:t>
             </a:fld>
             <a:endParaRPr lang="en-US"/>
           </a:p>
@@ -2370,10 +2369,9 @@
           </a:lstStyle>
           <a:p>
             <a:r>
-              <a:rPr lang="en-US" smtClean="0"/>
+              <a:rPr lang="en-US"/>
               <a:t>Click to edit Master title style</a:t>
             </a:r>
-            <a:endParaRPr lang="en-US"/>
           </a:p>
         </p:txBody>
       </p:sp>
@@ -2497,7 +2495,7 @@
           <a:p>
             <a:pPr lvl="0"/>
             <a:r>
-              <a:rPr lang="en-US" smtClean="0"/>
+              <a:rPr lang="en-US"/>
               <a:t>Click to edit Master text styles</a:t>
             </a:r>
           </a:p>
@@ -2520,7 +2518,7 @@
           <a:p>
             <a:fld id="{5BCAD085-E8A6-8845-BD4E-CB4CCA059FC4}" type="datetimeFigureOut">
               <a:rPr lang="en-US" smtClean="0"/>
-              <a:t>1/27/13</a:t>
+              <a:t>1/15/2026</a:t>
             </a:fld>
             <a:endParaRPr lang="en-US"/>
           </a:p>
@@ -2629,10 +2627,9 @@
           <a:lstStyle/>
           <a:p>
             <a:r>
-              <a:rPr lang="en-US" smtClean="0"/>
+              <a:rPr lang="en-US"/>
               <a:t>Click to edit Master title style</a:t>
             </a:r>
-            <a:endParaRPr lang="en-US"/>
           </a:p>
         </p:txBody>
       </p:sp>
@@ -2663,38 +2660,37 @@
           <a:p>
             <a:pPr lvl="0"/>
             <a:r>
-              <a:rPr lang="en-US" smtClean="0"/>
+              <a:rPr lang="en-US"/>
               <a:t>Click to edit Master text styles</a:t>
             </a:r>
           </a:p>
           <a:p>
             <a:pPr lvl="1"/>
             <a:r>
-              <a:rPr lang="en-US" smtClean="0"/>
+              <a:rPr lang="en-US"/>
               <a:t>Second level</a:t>
             </a:r>
           </a:p>
           <a:p>
             <a:pPr lvl="2"/>
             <a:r>
-              <a:rPr lang="en-US" smtClean="0"/>
+              <a:rPr lang="en-US"/>
               <a:t>Third level</a:t>
             </a:r>
           </a:p>
           <a:p>
             <a:pPr lvl="3"/>
             <a:r>
-              <a:rPr lang="en-US" smtClean="0"/>
+              <a:rPr lang="en-US"/>
               <a:t>Fourth level</a:t>
             </a:r>
           </a:p>
           <a:p>
             <a:pPr lvl="4"/>
             <a:r>
-              <a:rPr lang="en-US" smtClean="0"/>
+              <a:rPr lang="en-US"/>
               <a:t>Fifth level</a:t>
             </a:r>
-            <a:endParaRPr lang="en-US"/>
           </a:p>
         </p:txBody>
       </p:sp>
@@ -2733,7 +2729,7 @@
           <a:p>
             <a:fld id="{5BCAD085-E8A6-8845-BD4E-CB4CCA059FC4}" type="datetimeFigureOut">
               <a:rPr lang="en-US" smtClean="0"/>
-              <a:t>1/27/13</a:t>
+              <a:t>1/15/2026</a:t>
             </a:fld>
             <a:endParaRPr lang="en-US"/>
           </a:p>
@@ -3092,7 +3088,7 @@
 </file>
 
 <file path=ppt/slides/slide1.xml><?xml version="1.0" encoding="utf-8"?>
-<p:sld xmlns:a="http://schemas.openxmlformats.org/drawingml/2006/main" xmlns:p="http://schemas.openxmlformats.org/presentationml/2006/main" xmlns:r="http://schemas.openxmlformats.org/officeDocument/2006/relationships">
+<p:sld xmlns:a="http://schemas.openxmlformats.org/drawingml/2006/main" xmlns:r="http://schemas.openxmlformats.org/officeDocument/2006/relationships" xmlns:p="http://schemas.openxmlformats.org/presentationml/2006/main">
   <p:cSld>
     <p:spTree>
       <p:nvGrpSpPr>
@@ -3100,7 +3096,14 @@
         <p:cNvGrpSpPr/>
         <p:nvPr/>
       </p:nvGrpSpPr>
-      <p:grpSpPr/>
+      <p:grpSpPr>
+        <a:xfrm>
+          <a:off x="0" y="0"/>
+          <a:ext cx="0" cy="0"/>
+          <a:chOff x="0" y="0"/>
+          <a:chExt cx="0" cy="0"/>
+        </a:xfrm>
+      </p:grpSpPr>
       <p:sp>
         <p:nvSpPr>
           <p:cNvPr id="2" name="Title 1"/>
@@ -3157,7 +3160,7 @@
 </file>
 
 <file path=ppt/slides/slide10.xml><?xml version="1.0" encoding="utf-8"?>
-<p:sld xmlns:a="http://schemas.openxmlformats.org/drawingml/2006/main" xmlns:p="http://schemas.openxmlformats.org/presentationml/2006/main" xmlns:r="http://schemas.openxmlformats.org/officeDocument/2006/relationships">
+<p:sld xmlns:a="http://schemas.openxmlformats.org/drawingml/2006/main" xmlns:r="http://schemas.openxmlformats.org/officeDocument/2006/relationships" xmlns:p="http://schemas.openxmlformats.org/presentationml/2006/main">
   <p:cSld>
     <p:spTree>
       <p:nvGrpSpPr>
@@ -3165,7 +3168,14 @@
         <p:cNvGrpSpPr/>
         <p:nvPr/>
       </p:nvGrpSpPr>
-      <p:grpSpPr/>
+      <p:grpSpPr>
+        <a:xfrm>
+          <a:off x="0" y="0"/>
+          <a:ext cx="0" cy="0"/>
+          <a:chOff x="0" y="0"/>
+          <a:chExt cx="0" cy="0"/>
+        </a:xfrm>
+      </p:grpSpPr>
       <p:sp>
         <p:nvSpPr>
           <p:cNvPr id="2" name="Title 1"/>
@@ -3232,7 +3242,7 @@
 </file>
 
 <file path=ppt/slides/slide11.xml><?xml version="1.0" encoding="utf-8"?>
-<p:sld xmlns:a="http://schemas.openxmlformats.org/drawingml/2006/main" xmlns:p="http://schemas.openxmlformats.org/presentationml/2006/main" xmlns:r="http://schemas.openxmlformats.org/officeDocument/2006/relationships">
+<p:sld xmlns:a="http://schemas.openxmlformats.org/drawingml/2006/main" xmlns:r="http://schemas.openxmlformats.org/officeDocument/2006/relationships" xmlns:p="http://schemas.openxmlformats.org/presentationml/2006/main">
   <p:cSld>
     <p:spTree>
       <p:nvGrpSpPr>
@@ -3240,7 +3250,14 @@
         <p:cNvGrpSpPr/>
         <p:nvPr/>
       </p:nvGrpSpPr>
-      <p:grpSpPr/>
+      <p:grpSpPr>
+        <a:xfrm>
+          <a:off x="0" y="0"/>
+          <a:ext cx="0" cy="0"/>
+          <a:chOff x="0" y="0"/>
+          <a:chExt cx="0" cy="0"/>
+        </a:xfrm>
+      </p:grpSpPr>
       <p:sp>
         <p:nvSpPr>
           <p:cNvPr id="2" name="Title 1"/>
@@ -3307,7 +3324,7 @@
 </file>
 
 <file path=ppt/slides/slide12.xml><?xml version="1.0" encoding="utf-8"?>
-<p:sld xmlns:a="http://schemas.openxmlformats.org/drawingml/2006/main" xmlns:p="http://schemas.openxmlformats.org/presentationml/2006/main" xmlns:r="http://schemas.openxmlformats.org/officeDocument/2006/relationships">
+<p:sld xmlns:a="http://schemas.openxmlformats.org/drawingml/2006/main" xmlns:r="http://schemas.openxmlformats.org/officeDocument/2006/relationships" xmlns:p="http://schemas.openxmlformats.org/presentationml/2006/main">
   <p:cSld>
     <p:spTree>
       <p:nvGrpSpPr>
@@ -3315,7 +3332,14 @@
         <p:cNvGrpSpPr/>
         <p:nvPr/>
       </p:nvGrpSpPr>
-      <p:grpSpPr/>
+      <p:grpSpPr>
+        <a:xfrm>
+          <a:off x="0" y="0"/>
+          <a:ext cx="0" cy="0"/>
+          <a:chOff x="0" y="0"/>
+          <a:chExt cx="0" cy="0"/>
+        </a:xfrm>
+      </p:grpSpPr>
       <p:sp>
         <p:nvSpPr>
           <p:cNvPr id="2" name="Title 1"/>
@@ -3382,7 +3406,7 @@
 </file>
 
 <file path=ppt/slides/slide13.xml><?xml version="1.0" encoding="utf-8"?>
-<p:sld xmlns:a="http://schemas.openxmlformats.org/drawingml/2006/main" xmlns:p="http://schemas.openxmlformats.org/presentationml/2006/main" xmlns:r="http://schemas.openxmlformats.org/officeDocument/2006/relationships">
+<p:sld xmlns:a="http://schemas.openxmlformats.org/drawingml/2006/main" xmlns:r="http://schemas.openxmlformats.org/officeDocument/2006/relationships" xmlns:p="http://schemas.openxmlformats.org/presentationml/2006/main">
   <p:cSld>
     <p:spTree>
       <p:nvGrpSpPr>
@@ -3390,7 +3414,14 @@
         <p:cNvGrpSpPr/>
         <p:nvPr/>
       </p:nvGrpSpPr>
-      <p:grpSpPr/>
+      <p:grpSpPr>
+        <a:xfrm>
+          <a:off x="0" y="0"/>
+          <a:ext cx="0" cy="0"/>
+          <a:chOff x="0" y="0"/>
+          <a:chExt cx="0" cy="0"/>
+        </a:xfrm>
+      </p:grpSpPr>
       <p:sp>
         <p:nvSpPr>
           <p:cNvPr id="2" name="Title 1"/>
@@ -3457,7 +3488,7 @@
 </file>
 
 <file path=ppt/slides/slide14.xml><?xml version="1.0" encoding="utf-8"?>
-<p:sld xmlns:a="http://schemas.openxmlformats.org/drawingml/2006/main" xmlns:p="http://schemas.openxmlformats.org/presentationml/2006/main" xmlns:r="http://schemas.openxmlformats.org/officeDocument/2006/relationships">
+<p:sld xmlns:a="http://schemas.openxmlformats.org/drawingml/2006/main" xmlns:r="http://schemas.openxmlformats.org/officeDocument/2006/relationships" xmlns:p="http://schemas.openxmlformats.org/presentationml/2006/main">
   <p:cSld>
     <p:spTree>
       <p:nvGrpSpPr>
@@ -3465,7 +3496,14 @@
         <p:cNvGrpSpPr/>
         <p:nvPr/>
       </p:nvGrpSpPr>
-      <p:grpSpPr/>
+      <p:grpSpPr>
+        <a:xfrm>
+          <a:off x="0" y="0"/>
+          <a:ext cx="0" cy="0"/>
+          <a:chOff x="0" y="0"/>
+          <a:chExt cx="0" cy="0"/>
+        </a:xfrm>
+      </p:grpSpPr>
       <p:sp>
         <p:nvSpPr>
           <p:cNvPr id="2" name="Title 1"/>
@@ -3531,8 +3569,8 @@
 </p:sld>
 </file>
 
-<file path=ppt/slides/slide2.xml><?xml version="1.0" encoding="utf-8"?>
-<p:sld xmlns:a="http://schemas.openxmlformats.org/drawingml/2006/main" xmlns:p="http://schemas.openxmlformats.org/presentationml/2006/main" xmlns:r="http://schemas.openxmlformats.org/officeDocument/2006/relationships">
+<file path=ppt/slides/slide15.xml><?xml version="1.0" encoding="utf-8"?>
+<p:sld xmlns:a="http://schemas.openxmlformats.org/drawingml/2006/main" xmlns:r="http://schemas.openxmlformats.org/officeDocument/2006/relationships" xmlns:p="http://schemas.openxmlformats.org/presentationml/2006/main">
   <p:cSld>
     <p:spTree>
       <p:nvGrpSpPr>
@@ -3540,7 +3578,104 @@
         <p:cNvGrpSpPr/>
         <p:nvPr/>
       </p:nvGrpSpPr>
-      <p:grpSpPr/>
+      <p:grpSpPr>
+        <a:xfrm>
+          <a:off x="0" y="0"/>
+          <a:ext cx="0" cy="0"/>
+          <a:chOff x="0" y="0"/>
+          <a:chExt cx="0" cy="0"/>
+        </a:xfrm>
+      </p:grpSpPr>
+      <p:sp>
+        <p:nvSpPr>
+          <p:cNvPr id="2" name="Title 1">
+            <a:extLst>
+              <a:ext uri="{FF2B5EF4-FFF2-40B4-BE49-F238E27FC236}">
+                <a16:creationId xmlns:a16="http://schemas.microsoft.com/office/drawing/2014/main" id="{08B8DB84-AC7C-A80A-0A92-1ACE84316F59}"/>
+              </a:ext>
+            </a:extLst>
+          </p:cNvPr>
+          <p:cNvSpPr>
+            <a:spLocks noGrp="1"/>
+          </p:cNvSpPr>
+          <p:nvPr>
+            <p:ph type="ctrTitle"/>
+          </p:nvPr>
+        </p:nvSpPr>
+        <p:spPr/>
+        <p:txBody>
+          <a:bodyPr/>
+          <a:lstStyle/>
+          <a:p>
+            <a:r>
+              <a:rPr lang="en-US" dirty="0"/>
+              <a:t>Notion link</a:t>
+            </a:r>
+            <a:endParaRPr lang="en-PK" dirty="0"/>
+          </a:p>
+        </p:txBody>
+      </p:sp>
+      <p:sp>
+        <p:nvSpPr>
+          <p:cNvPr id="3" name="Subtitle 2">
+            <a:extLst>
+              <a:ext uri="{FF2B5EF4-FFF2-40B4-BE49-F238E27FC236}">
+                <a16:creationId xmlns:a16="http://schemas.microsoft.com/office/drawing/2014/main" id="{AC2A5222-61C3-5796-FDFD-BCB874215A7D}"/>
+              </a:ext>
+            </a:extLst>
+          </p:cNvPr>
+          <p:cNvSpPr>
+            <a:spLocks noGrp="1"/>
+          </p:cNvSpPr>
+          <p:nvPr>
+            <p:ph type="subTitle" idx="1"/>
+          </p:nvPr>
+        </p:nvSpPr>
+        <p:spPr/>
+        <p:txBody>
+          <a:bodyPr>
+            <a:normAutofit fontScale="92500"/>
+          </a:bodyPr>
+          <a:lstStyle/>
+          <a:p>
+            <a:r>
+              <a:rPr lang="en-US" dirty="0"/>
+              <a:t>https://believed-collarbone-00f.notion.site/PITP2-3-MAD-2e75a8bc129780fca304fb6095b0ca68</a:t>
+            </a:r>
+            <a:endParaRPr lang="en-PK" dirty="0"/>
+          </a:p>
+        </p:txBody>
+      </p:sp>
+    </p:spTree>
+    <p:extLst>
+      <p:ext uri="{BB962C8B-B14F-4D97-AF65-F5344CB8AC3E}">
+        <p14:creationId xmlns:p14="http://schemas.microsoft.com/office/powerpoint/2010/main" val="140819335"/>
+      </p:ext>
+    </p:extLst>
+  </p:cSld>
+  <p:clrMapOvr>
+    <a:masterClrMapping/>
+  </p:clrMapOvr>
+</p:sld>
+</file>
+
+<file path=ppt/slides/slide2.xml><?xml version="1.0" encoding="utf-8"?>
+<p:sld xmlns:a="http://schemas.openxmlformats.org/drawingml/2006/main" xmlns:r="http://schemas.openxmlformats.org/officeDocument/2006/relationships" xmlns:p="http://schemas.openxmlformats.org/presentationml/2006/main">
+  <p:cSld>
+    <p:spTree>
+      <p:nvGrpSpPr>
+        <p:cNvPr id="1" name=""/>
+        <p:cNvGrpSpPr/>
+        <p:nvPr/>
+      </p:nvGrpSpPr>
+      <p:grpSpPr>
+        <a:xfrm>
+          <a:off x="0" y="0"/>
+          <a:ext cx="0" cy="0"/>
+          <a:chOff x="0" y="0"/>
+          <a:chExt cx="0" cy="0"/>
+        </a:xfrm>
+      </p:grpSpPr>
       <p:sp>
         <p:nvSpPr>
           <p:cNvPr id="2" name="Title 1"/>
@@ -3607,7 +3742,7 @@
 </file>
 
 <file path=ppt/slides/slide3.xml><?xml version="1.0" encoding="utf-8"?>
-<p:sld xmlns:a="http://schemas.openxmlformats.org/drawingml/2006/main" xmlns:p="http://schemas.openxmlformats.org/presentationml/2006/main" xmlns:r="http://schemas.openxmlformats.org/officeDocument/2006/relationships">
+<p:sld xmlns:a="http://schemas.openxmlformats.org/drawingml/2006/main" xmlns:r="http://schemas.openxmlformats.org/officeDocument/2006/relationships" xmlns:p="http://schemas.openxmlformats.org/presentationml/2006/main">
   <p:cSld>
     <p:spTree>
       <p:nvGrpSpPr>
@@ -3615,7 +3750,14 @@
         <p:cNvGrpSpPr/>
         <p:nvPr/>
       </p:nvGrpSpPr>
-      <p:grpSpPr/>
+      <p:grpSpPr>
+        <a:xfrm>
+          <a:off x="0" y="0"/>
+          <a:ext cx="0" cy="0"/>
+          <a:chOff x="0" y="0"/>
+          <a:chExt cx="0" cy="0"/>
+        </a:xfrm>
+      </p:grpSpPr>
       <p:sp>
         <p:nvSpPr>
           <p:cNvPr id="2" name="Title 1"/>
@@ -3682,7 +3824,7 @@
 </file>
 
 <file path=ppt/slides/slide4.xml><?xml version="1.0" encoding="utf-8"?>
-<p:sld xmlns:a="http://schemas.openxmlformats.org/drawingml/2006/main" xmlns:p="http://schemas.openxmlformats.org/presentationml/2006/main" xmlns:r="http://schemas.openxmlformats.org/officeDocument/2006/relationships">
+<p:sld xmlns:a="http://schemas.openxmlformats.org/drawingml/2006/main" xmlns:r="http://schemas.openxmlformats.org/officeDocument/2006/relationships" xmlns:p="http://schemas.openxmlformats.org/presentationml/2006/main">
   <p:cSld>
     <p:spTree>
       <p:nvGrpSpPr>
@@ -3690,7 +3832,14 @@
         <p:cNvGrpSpPr/>
         <p:nvPr/>
       </p:nvGrpSpPr>
-      <p:grpSpPr/>
+      <p:grpSpPr>
+        <a:xfrm>
+          <a:off x="0" y="0"/>
+          <a:ext cx="0" cy="0"/>
+          <a:chOff x="0" y="0"/>
+          <a:chExt cx="0" cy="0"/>
+        </a:xfrm>
+      </p:grpSpPr>
       <p:sp>
         <p:nvSpPr>
           <p:cNvPr id="2" name="Title 1"/>
@@ -3757,7 +3906,7 @@
 </file>
 
 <file path=ppt/slides/slide5.xml><?xml version="1.0" encoding="utf-8"?>
-<p:sld xmlns:a="http://schemas.openxmlformats.org/drawingml/2006/main" xmlns:p="http://schemas.openxmlformats.org/presentationml/2006/main" xmlns:r="http://schemas.openxmlformats.org/officeDocument/2006/relationships">
+<p:sld xmlns:a="http://schemas.openxmlformats.org/drawingml/2006/main" xmlns:r="http://schemas.openxmlformats.org/officeDocument/2006/relationships" xmlns:p="http://schemas.openxmlformats.org/presentationml/2006/main">
   <p:cSld>
     <p:spTree>
       <p:nvGrpSpPr>
@@ -3765,7 +3914,14 @@
         <p:cNvGrpSpPr/>
         <p:nvPr/>
       </p:nvGrpSpPr>
-      <p:grpSpPr/>
+      <p:grpSpPr>
+        <a:xfrm>
+          <a:off x="0" y="0"/>
+          <a:ext cx="0" cy="0"/>
+          <a:chOff x="0" y="0"/>
+          <a:chExt cx="0" cy="0"/>
+        </a:xfrm>
+      </p:grpSpPr>
       <p:sp>
         <p:nvSpPr>
           <p:cNvPr id="2" name="Title 1"/>
@@ -3832,7 +3988,7 @@
 </file>
 
 <file path=ppt/slides/slide6.xml><?xml version="1.0" encoding="utf-8"?>
-<p:sld xmlns:a="http://schemas.openxmlformats.org/drawingml/2006/main" xmlns:p="http://schemas.openxmlformats.org/presentationml/2006/main" xmlns:r="http://schemas.openxmlformats.org/officeDocument/2006/relationships">
+<p:sld xmlns:a="http://schemas.openxmlformats.org/drawingml/2006/main" xmlns:r="http://schemas.openxmlformats.org/officeDocument/2006/relationships" xmlns:p="http://schemas.openxmlformats.org/presentationml/2006/main">
   <p:cSld>
     <p:spTree>
       <p:nvGrpSpPr>
@@ -3840,7 +3996,14 @@
         <p:cNvGrpSpPr/>
         <p:nvPr/>
       </p:nvGrpSpPr>
-      <p:grpSpPr/>
+      <p:grpSpPr>
+        <a:xfrm>
+          <a:off x="0" y="0"/>
+          <a:ext cx="0" cy="0"/>
+          <a:chOff x="0" y="0"/>
+          <a:chExt cx="0" cy="0"/>
+        </a:xfrm>
+      </p:grpSpPr>
       <p:sp>
         <p:nvSpPr>
           <p:cNvPr id="2" name="Title 1"/>
@@ -3907,7 +4070,7 @@
 </file>
 
 <file path=ppt/slides/slide7.xml><?xml version="1.0" encoding="utf-8"?>
-<p:sld xmlns:a="http://schemas.openxmlformats.org/drawingml/2006/main" xmlns:p="http://schemas.openxmlformats.org/presentationml/2006/main" xmlns:r="http://schemas.openxmlformats.org/officeDocument/2006/relationships">
+<p:sld xmlns:a="http://schemas.openxmlformats.org/drawingml/2006/main" xmlns:r="http://schemas.openxmlformats.org/officeDocument/2006/relationships" xmlns:p="http://schemas.openxmlformats.org/presentationml/2006/main">
   <p:cSld>
     <p:spTree>
       <p:nvGrpSpPr>
@@ -3915,7 +4078,14 @@
         <p:cNvGrpSpPr/>
         <p:nvPr/>
       </p:nvGrpSpPr>
-      <p:grpSpPr/>
+      <p:grpSpPr>
+        <a:xfrm>
+          <a:off x="0" y="0"/>
+          <a:ext cx="0" cy="0"/>
+          <a:chOff x="0" y="0"/>
+          <a:chExt cx="0" cy="0"/>
+        </a:xfrm>
+      </p:grpSpPr>
       <p:sp>
         <p:nvSpPr>
           <p:cNvPr id="2" name="Title 1"/>
@@ -3982,7 +4152,7 @@
 </file>
 
 <file path=ppt/slides/slide8.xml><?xml version="1.0" encoding="utf-8"?>
-<p:sld xmlns:a="http://schemas.openxmlformats.org/drawingml/2006/main" xmlns:p="http://schemas.openxmlformats.org/presentationml/2006/main" xmlns:r="http://schemas.openxmlformats.org/officeDocument/2006/relationships">
+<p:sld xmlns:a="http://schemas.openxmlformats.org/drawingml/2006/main" xmlns:r="http://schemas.openxmlformats.org/officeDocument/2006/relationships" xmlns:p="http://schemas.openxmlformats.org/presentationml/2006/main">
   <p:cSld>
     <p:spTree>
       <p:nvGrpSpPr>
@@ -3990,7 +4160,14 @@
         <p:cNvGrpSpPr/>
         <p:nvPr/>
       </p:nvGrpSpPr>
-      <p:grpSpPr/>
+      <p:grpSpPr>
+        <a:xfrm>
+          <a:off x="0" y="0"/>
+          <a:ext cx="0" cy="0"/>
+          <a:chOff x="0" y="0"/>
+          <a:chExt cx="0" cy="0"/>
+        </a:xfrm>
+      </p:grpSpPr>
       <p:sp>
         <p:nvSpPr>
           <p:cNvPr id="2" name="Title 1"/>
@@ -4057,7 +4234,7 @@
 </file>
 
 <file path=ppt/slides/slide9.xml><?xml version="1.0" encoding="utf-8"?>
-<p:sld xmlns:a="http://schemas.openxmlformats.org/drawingml/2006/main" xmlns:p="http://schemas.openxmlformats.org/presentationml/2006/main" xmlns:r="http://schemas.openxmlformats.org/officeDocument/2006/relationships">
+<p:sld xmlns:a="http://schemas.openxmlformats.org/drawingml/2006/main" xmlns:r="http://schemas.openxmlformats.org/officeDocument/2006/relationships" xmlns:p="http://schemas.openxmlformats.org/presentationml/2006/main">
   <p:cSld>
     <p:spTree>
       <p:nvGrpSpPr>
@@ -4065,7 +4242,14 @@
         <p:cNvGrpSpPr/>
         <p:nvPr/>
       </p:nvGrpSpPr>
-      <p:grpSpPr/>
+      <p:grpSpPr>
+        <a:xfrm>
+          <a:off x="0" y="0"/>
+          <a:ext cx="0" cy="0"/>
+          <a:chOff x="0" y="0"/>
+          <a:chExt cx="0" cy="0"/>
+        </a:xfrm>
+      </p:grpSpPr>
       <p:sp>
         <p:nvSpPr>
           <p:cNvPr id="2" name="Title 1"/>

--- a/resources/PITP/Week_2_Dart_Programming_Basics.pptx
+++ b/resources/PITP/Week_2_Dart_Programming_Basics.pptx
@@ -20,6 +20,7 @@
     <p:sldId id="268" r:id="rId14"/>
     <p:sldId id="269" r:id="rId15"/>
     <p:sldId id="270" r:id="rId16"/>
+    <p:sldId id="271" r:id="rId17"/>
   </p:sldIdLst>
   <p:sldSz cx="9144000" cy="6858000" type="screen4x3"/>
   <p:notesSz cx="6858000" cy="9144000"/>
@@ -316,7 +317,7 @@
           <a:p>
             <a:fld id="{5BCAD085-E8A6-8845-BD4E-CB4CCA059FC4}" type="datetimeFigureOut">
               <a:rPr lang="en-US" smtClean="0"/>
-              <a:t>1/15/2026</a:t>
+              <a:t>1/23/2026</a:t>
             </a:fld>
             <a:endParaRPr lang="en-US"/>
           </a:p>
@@ -484,7 +485,7 @@
           <a:p>
             <a:fld id="{5BCAD085-E8A6-8845-BD4E-CB4CCA059FC4}" type="datetimeFigureOut">
               <a:rPr lang="en-US" smtClean="0"/>
-              <a:t>1/15/2026</a:t>
+              <a:t>1/23/2026</a:t>
             </a:fld>
             <a:endParaRPr lang="en-US"/>
           </a:p>
@@ -662,7 +663,7 @@
           <a:p>
             <a:fld id="{5BCAD085-E8A6-8845-BD4E-CB4CCA059FC4}" type="datetimeFigureOut">
               <a:rPr lang="en-US" smtClean="0"/>
-              <a:t>1/15/2026</a:t>
+              <a:t>1/23/2026</a:t>
             </a:fld>
             <a:endParaRPr lang="en-US"/>
           </a:p>
@@ -830,7 +831,7 @@
           <a:p>
             <a:fld id="{5BCAD085-E8A6-8845-BD4E-CB4CCA059FC4}" type="datetimeFigureOut">
               <a:rPr lang="en-US" smtClean="0"/>
-              <a:t>1/15/2026</a:t>
+              <a:t>1/23/2026</a:t>
             </a:fld>
             <a:endParaRPr lang="en-US"/>
           </a:p>
@@ -1075,7 +1076,7 @@
           <a:p>
             <a:fld id="{5BCAD085-E8A6-8845-BD4E-CB4CCA059FC4}" type="datetimeFigureOut">
               <a:rPr lang="en-US" smtClean="0"/>
-              <a:t>1/15/2026</a:t>
+              <a:t>1/23/2026</a:t>
             </a:fld>
             <a:endParaRPr lang="en-US"/>
           </a:p>
@@ -1360,7 +1361,7 @@
           <a:p>
             <a:fld id="{5BCAD085-E8A6-8845-BD4E-CB4CCA059FC4}" type="datetimeFigureOut">
               <a:rPr lang="en-US" smtClean="0"/>
-              <a:t>1/15/2026</a:t>
+              <a:t>1/23/2026</a:t>
             </a:fld>
             <a:endParaRPr lang="en-US"/>
           </a:p>
@@ -1779,7 +1780,7 @@
           <a:p>
             <a:fld id="{5BCAD085-E8A6-8845-BD4E-CB4CCA059FC4}" type="datetimeFigureOut">
               <a:rPr lang="en-US" smtClean="0"/>
-              <a:t>1/15/2026</a:t>
+              <a:t>1/23/2026</a:t>
             </a:fld>
             <a:endParaRPr lang="en-US"/>
           </a:p>
@@ -1896,7 +1897,7 @@
           <a:p>
             <a:fld id="{5BCAD085-E8A6-8845-BD4E-CB4CCA059FC4}" type="datetimeFigureOut">
               <a:rPr lang="en-US" smtClean="0"/>
-              <a:t>1/15/2026</a:t>
+              <a:t>1/23/2026</a:t>
             </a:fld>
             <a:endParaRPr lang="en-US"/>
           </a:p>
@@ -1991,7 +1992,7 @@
           <a:p>
             <a:fld id="{5BCAD085-E8A6-8845-BD4E-CB4CCA059FC4}" type="datetimeFigureOut">
               <a:rPr lang="en-US" smtClean="0"/>
-              <a:t>1/15/2026</a:t>
+              <a:t>1/23/2026</a:t>
             </a:fld>
             <a:endParaRPr lang="en-US"/>
           </a:p>
@@ -2266,7 +2267,7 @@
           <a:p>
             <a:fld id="{5BCAD085-E8A6-8845-BD4E-CB4CCA059FC4}" type="datetimeFigureOut">
               <a:rPr lang="en-US" smtClean="0"/>
-              <a:t>1/15/2026</a:t>
+              <a:t>1/23/2026</a:t>
             </a:fld>
             <a:endParaRPr lang="en-US"/>
           </a:p>
@@ -2518,7 +2519,7 @@
           <a:p>
             <a:fld id="{5BCAD085-E8A6-8845-BD4E-CB4CCA059FC4}" type="datetimeFigureOut">
               <a:rPr lang="en-US" smtClean="0"/>
-              <a:t>1/15/2026</a:t>
+              <a:t>1/23/2026</a:t>
             </a:fld>
             <a:endParaRPr lang="en-US"/>
           </a:p>
@@ -2729,7 +2730,7 @@
           <a:p>
             <a:fld id="{5BCAD085-E8A6-8845-BD4E-CB4CCA059FC4}" type="datetimeFigureOut">
               <a:rPr lang="en-US" smtClean="0"/>
-              <a:t>1/15/2026</a:t>
+              <a:t>1/23/2026</a:t>
             </a:fld>
             <a:endParaRPr lang="en-US"/>
           </a:p>
@@ -3650,6 +3651,94 @@
     <p:extLst>
       <p:ext uri="{BB962C8B-B14F-4D97-AF65-F5344CB8AC3E}">
         <p14:creationId xmlns:p14="http://schemas.microsoft.com/office/powerpoint/2010/main" val="140819335"/>
+      </p:ext>
+    </p:extLst>
+  </p:cSld>
+  <p:clrMapOvr>
+    <a:masterClrMapping/>
+  </p:clrMapOvr>
+</p:sld>
+</file>
+
+<file path=ppt/slides/slide16.xml><?xml version="1.0" encoding="utf-8"?>
+<p:sld xmlns:a="http://schemas.openxmlformats.org/drawingml/2006/main" xmlns:r="http://schemas.openxmlformats.org/officeDocument/2006/relationships" xmlns:p="http://schemas.openxmlformats.org/presentationml/2006/main">
+  <p:cSld>
+    <p:spTree>
+      <p:nvGrpSpPr>
+        <p:cNvPr id="1" name=""/>
+        <p:cNvGrpSpPr/>
+        <p:nvPr/>
+      </p:nvGrpSpPr>
+      <p:grpSpPr>
+        <a:xfrm>
+          <a:off x="0" y="0"/>
+          <a:ext cx="0" cy="0"/>
+          <a:chOff x="0" y="0"/>
+          <a:chExt cx="0" cy="0"/>
+        </a:xfrm>
+      </p:grpSpPr>
+      <p:sp>
+        <p:nvSpPr>
+          <p:cNvPr id="2" name="Title 1">
+            <a:extLst>
+              <a:ext uri="{FF2B5EF4-FFF2-40B4-BE49-F238E27FC236}">
+                <a16:creationId xmlns:a16="http://schemas.microsoft.com/office/drawing/2014/main" id="{03CB4D23-B8B1-DE6E-6EC0-1870A93FB02F}"/>
+              </a:ext>
+            </a:extLst>
+          </p:cNvPr>
+          <p:cNvSpPr>
+            <a:spLocks noGrp="1"/>
+          </p:cNvSpPr>
+          <p:nvPr>
+            <p:ph type="title"/>
+          </p:nvPr>
+        </p:nvSpPr>
+        <p:spPr/>
+        <p:txBody>
+          <a:bodyPr/>
+          <a:lstStyle/>
+          <a:p>
+            <a:r>
+              <a:rPr lang="en-US" dirty="0"/>
+              <a:t>Function in Dart</a:t>
+            </a:r>
+            <a:endParaRPr lang="en-PK" dirty="0"/>
+          </a:p>
+        </p:txBody>
+      </p:sp>
+      <p:sp>
+        <p:nvSpPr>
+          <p:cNvPr id="3" name="Content Placeholder 2">
+            <a:extLst>
+              <a:ext uri="{FF2B5EF4-FFF2-40B4-BE49-F238E27FC236}">
+                <a16:creationId xmlns:a16="http://schemas.microsoft.com/office/drawing/2014/main" id="{F75F75D6-C77B-C644-3B35-69C6EF9833CD}"/>
+              </a:ext>
+            </a:extLst>
+          </p:cNvPr>
+          <p:cNvSpPr>
+            <a:spLocks noGrp="1"/>
+          </p:cNvSpPr>
+          <p:nvPr>
+            <p:ph idx="1"/>
+          </p:nvPr>
+        </p:nvSpPr>
+        <p:spPr/>
+        <p:txBody>
+          <a:bodyPr/>
+          <a:lstStyle/>
+          <a:p>
+            <a:r>
+              <a:rPr lang="en-US" dirty="0"/>
+              <a:t>https://www.notion.so/Function-in-Dart-2f17ce624b5980b2bc66f4e0e5901ea4?source=copy_link</a:t>
+            </a:r>
+            <a:endParaRPr lang="en-PK" dirty="0"/>
+          </a:p>
+        </p:txBody>
+      </p:sp>
+    </p:spTree>
+    <p:extLst>
+      <p:ext uri="{BB962C8B-B14F-4D97-AF65-F5344CB8AC3E}">
+        <p14:creationId xmlns:p14="http://schemas.microsoft.com/office/powerpoint/2010/main" val="3218839243"/>
       </p:ext>
     </p:extLst>
   </p:cSld>

--- a/resources/PITP/Week_2_Dart_Programming_Basics.pptx
+++ b/resources/PITP/Week_2_Dart_Programming_Basics.pptx
@@ -21,6 +21,7 @@
     <p:sldId id="269" r:id="rId15"/>
     <p:sldId id="270" r:id="rId16"/>
     <p:sldId id="271" r:id="rId17"/>
+    <p:sldId id="272" r:id="rId18"/>
   </p:sldIdLst>
   <p:sldSz cx="9144000" cy="6858000" type="screen4x3"/>
   <p:notesSz cx="6858000" cy="9144000"/>
@@ -317,7 +318,7 @@
           <a:p>
             <a:fld id="{5BCAD085-E8A6-8845-BD4E-CB4CCA059FC4}" type="datetimeFigureOut">
               <a:rPr lang="en-US" smtClean="0"/>
-              <a:t>1/23/2026</a:t>
+              <a:t>1/29/2026</a:t>
             </a:fld>
             <a:endParaRPr lang="en-US"/>
           </a:p>
@@ -485,7 +486,7 @@
           <a:p>
             <a:fld id="{5BCAD085-E8A6-8845-BD4E-CB4CCA059FC4}" type="datetimeFigureOut">
               <a:rPr lang="en-US" smtClean="0"/>
-              <a:t>1/23/2026</a:t>
+              <a:t>1/29/2026</a:t>
             </a:fld>
             <a:endParaRPr lang="en-US"/>
           </a:p>
@@ -663,7 +664,7 @@
           <a:p>
             <a:fld id="{5BCAD085-E8A6-8845-BD4E-CB4CCA059FC4}" type="datetimeFigureOut">
               <a:rPr lang="en-US" smtClean="0"/>
-              <a:t>1/23/2026</a:t>
+              <a:t>1/29/2026</a:t>
             </a:fld>
             <a:endParaRPr lang="en-US"/>
           </a:p>
@@ -831,7 +832,7 @@
           <a:p>
             <a:fld id="{5BCAD085-E8A6-8845-BD4E-CB4CCA059FC4}" type="datetimeFigureOut">
               <a:rPr lang="en-US" smtClean="0"/>
-              <a:t>1/23/2026</a:t>
+              <a:t>1/29/2026</a:t>
             </a:fld>
             <a:endParaRPr lang="en-US"/>
           </a:p>
@@ -1076,7 +1077,7 @@
           <a:p>
             <a:fld id="{5BCAD085-E8A6-8845-BD4E-CB4CCA059FC4}" type="datetimeFigureOut">
               <a:rPr lang="en-US" smtClean="0"/>
-              <a:t>1/23/2026</a:t>
+              <a:t>1/29/2026</a:t>
             </a:fld>
             <a:endParaRPr lang="en-US"/>
           </a:p>
@@ -1361,7 +1362,7 @@
           <a:p>
             <a:fld id="{5BCAD085-E8A6-8845-BD4E-CB4CCA059FC4}" type="datetimeFigureOut">
               <a:rPr lang="en-US" smtClean="0"/>
-              <a:t>1/23/2026</a:t>
+              <a:t>1/29/2026</a:t>
             </a:fld>
             <a:endParaRPr lang="en-US"/>
           </a:p>
@@ -1780,7 +1781,7 @@
           <a:p>
             <a:fld id="{5BCAD085-E8A6-8845-BD4E-CB4CCA059FC4}" type="datetimeFigureOut">
               <a:rPr lang="en-US" smtClean="0"/>
-              <a:t>1/23/2026</a:t>
+              <a:t>1/29/2026</a:t>
             </a:fld>
             <a:endParaRPr lang="en-US"/>
           </a:p>
@@ -1897,7 +1898,7 @@
           <a:p>
             <a:fld id="{5BCAD085-E8A6-8845-BD4E-CB4CCA059FC4}" type="datetimeFigureOut">
               <a:rPr lang="en-US" smtClean="0"/>
-              <a:t>1/23/2026</a:t>
+              <a:t>1/29/2026</a:t>
             </a:fld>
             <a:endParaRPr lang="en-US"/>
           </a:p>
@@ -1992,7 +1993,7 @@
           <a:p>
             <a:fld id="{5BCAD085-E8A6-8845-BD4E-CB4CCA059FC4}" type="datetimeFigureOut">
               <a:rPr lang="en-US" smtClean="0"/>
-              <a:t>1/23/2026</a:t>
+              <a:t>1/29/2026</a:t>
             </a:fld>
             <a:endParaRPr lang="en-US"/>
           </a:p>
@@ -2267,7 +2268,7 @@
           <a:p>
             <a:fld id="{5BCAD085-E8A6-8845-BD4E-CB4CCA059FC4}" type="datetimeFigureOut">
               <a:rPr lang="en-US" smtClean="0"/>
-              <a:t>1/23/2026</a:t>
+              <a:t>1/29/2026</a:t>
             </a:fld>
             <a:endParaRPr lang="en-US"/>
           </a:p>
@@ -2519,7 +2520,7 @@
           <a:p>
             <a:fld id="{5BCAD085-E8A6-8845-BD4E-CB4CCA059FC4}" type="datetimeFigureOut">
               <a:rPr lang="en-US" smtClean="0"/>
-              <a:t>1/23/2026</a:t>
+              <a:t>1/29/2026</a:t>
             </a:fld>
             <a:endParaRPr lang="en-US"/>
           </a:p>
@@ -2730,7 +2731,7 @@
           <a:p>
             <a:fld id="{5BCAD085-E8A6-8845-BD4E-CB4CCA059FC4}" type="datetimeFigureOut">
               <a:rPr lang="en-US" smtClean="0"/>
-              <a:t>1/23/2026</a:t>
+              <a:t>1/29/2026</a:t>
             </a:fld>
             <a:endParaRPr lang="en-US"/>
           </a:p>
@@ -3739,6 +3740,94 @@
     <p:extLst>
       <p:ext uri="{BB962C8B-B14F-4D97-AF65-F5344CB8AC3E}">
         <p14:creationId xmlns:p14="http://schemas.microsoft.com/office/powerpoint/2010/main" val="3218839243"/>
+      </p:ext>
+    </p:extLst>
+  </p:cSld>
+  <p:clrMapOvr>
+    <a:masterClrMapping/>
+  </p:clrMapOvr>
+</p:sld>
+</file>
+
+<file path=ppt/slides/slide17.xml><?xml version="1.0" encoding="utf-8"?>
+<p:sld xmlns:a="http://schemas.openxmlformats.org/drawingml/2006/main" xmlns:r="http://schemas.openxmlformats.org/officeDocument/2006/relationships" xmlns:p="http://schemas.openxmlformats.org/presentationml/2006/main">
+  <p:cSld>
+    <p:spTree>
+      <p:nvGrpSpPr>
+        <p:cNvPr id="1" name=""/>
+        <p:cNvGrpSpPr/>
+        <p:nvPr/>
+      </p:nvGrpSpPr>
+      <p:grpSpPr>
+        <a:xfrm>
+          <a:off x="0" y="0"/>
+          <a:ext cx="0" cy="0"/>
+          <a:chOff x="0" y="0"/>
+          <a:chExt cx="0" cy="0"/>
+        </a:xfrm>
+      </p:grpSpPr>
+      <p:sp>
+        <p:nvSpPr>
+          <p:cNvPr id="2" name="Title 1">
+            <a:extLst>
+              <a:ext uri="{FF2B5EF4-FFF2-40B4-BE49-F238E27FC236}">
+                <a16:creationId xmlns:a16="http://schemas.microsoft.com/office/drawing/2014/main" id="{297DB9C5-1922-3333-DF3A-B067EDA40187}"/>
+              </a:ext>
+            </a:extLst>
+          </p:cNvPr>
+          <p:cNvSpPr>
+            <a:spLocks noGrp="1"/>
+          </p:cNvSpPr>
+          <p:nvPr>
+            <p:ph type="title"/>
+          </p:nvPr>
+        </p:nvSpPr>
+        <p:spPr/>
+        <p:txBody>
+          <a:bodyPr/>
+          <a:lstStyle/>
+          <a:p>
+            <a:r>
+              <a:rPr lang="en-US" dirty="0"/>
+              <a:t>Collections</a:t>
+            </a:r>
+            <a:endParaRPr lang="en-PK" dirty="0"/>
+          </a:p>
+        </p:txBody>
+      </p:sp>
+      <p:sp>
+        <p:nvSpPr>
+          <p:cNvPr id="3" name="Content Placeholder 2">
+            <a:extLst>
+              <a:ext uri="{FF2B5EF4-FFF2-40B4-BE49-F238E27FC236}">
+                <a16:creationId xmlns:a16="http://schemas.microsoft.com/office/drawing/2014/main" id="{9D1A727A-9CD9-D3DB-3B17-82A2B3D0C95D}"/>
+              </a:ext>
+            </a:extLst>
+          </p:cNvPr>
+          <p:cNvSpPr>
+            <a:spLocks noGrp="1"/>
+          </p:cNvSpPr>
+          <p:nvPr>
+            <p:ph idx="1"/>
+          </p:nvPr>
+        </p:nvSpPr>
+        <p:spPr/>
+        <p:txBody>
+          <a:bodyPr/>
+          <a:lstStyle/>
+          <a:p>
+            <a:r>
+              <a:rPr lang="en-US" dirty="0"/>
+              <a:t>https://www.notion.so/Collections-2f77ce624b59804ba85ce6fec6d6eec3?source=copy_link</a:t>
+            </a:r>
+            <a:endParaRPr lang="en-PK" dirty="0"/>
+          </a:p>
+        </p:txBody>
+      </p:sp>
+    </p:spTree>
+    <p:extLst>
+      <p:ext uri="{BB962C8B-B14F-4D97-AF65-F5344CB8AC3E}">
+        <p14:creationId xmlns:p14="http://schemas.microsoft.com/office/powerpoint/2010/main" val="2803407398"/>
       </p:ext>
     </p:extLst>
   </p:cSld>
